--- a/doc/RIA/TIW_PRJ5_2020_2021_v2.pptx
+++ b/doc/RIA/TIW_PRJ5_2020_2021_v2.pptx
@@ -21,11 +21,12 @@
     <p:sldId id="269" r:id="rId18"/>
     <p:sldId id="270" r:id="rId19"/>
     <p:sldId id="271" r:id="rId20"/>
-    <p:sldId id="272" r:id="rId21"/>
-    <p:sldId id="273" r:id="rId22"/>
-    <p:sldId id="274" r:id="rId23"/>
-    <p:sldId id="275" r:id="rId24"/>
-    <p:sldId id="276" r:id="rId25"/>
+    <p:sldId id="279" r:id="rId21"/>
+    <p:sldId id="272" r:id="rId22"/>
+    <p:sldId id="273" r:id="rId23"/>
+    <p:sldId id="274" r:id="rId24"/>
+    <p:sldId id="275" r:id="rId25"/>
+    <p:sldId id="276" r:id="rId26"/>
   </p:sldIdLst>
   <p:sldSz cx="12192000" cy="6858000"/>
   <p:notesSz cx="6858000" cy="9144000"/>
@@ -227,7 +228,7 @@
           <a:effectLst/>
           <a:extLst>
             <a:ext uri="{91240B29-F687-4f45-9708-019B960494DF}">
-              <a14:hiddenLine xmlns:a14="http://schemas.microsoft.com/office/drawing/2010/main" xmlns="" w="9525">
+              <a14:hiddenLine xmlns="" xmlns:a14="http://schemas.microsoft.com/office/drawing/2010/main" w="9525">
                 <a:solidFill>
                   <a:srgbClr val="000000"/>
                 </a:solidFill>
@@ -1737,7 +1738,7 @@
           <a:ln/>
           <a:extLst>
             <a:ext uri="{91240B29-F687-4f45-9708-019B960494DF}">
-              <a14:hiddenLine xmlns:a14="http://schemas.microsoft.com/office/drawing/2010/main" xmlns="" w="9525">
+              <a14:hiddenLine xmlns="" xmlns:a14="http://schemas.microsoft.com/office/drawing/2010/main" w="9525">
                 <a:solidFill>
                   <a:srgbClr val="000000"/>
                 </a:solidFill>
@@ -2009,7 +2010,7 @@
           <a:ln/>
           <a:extLst>
             <a:ext uri="{91240B29-F687-4f45-9708-019B960494DF}">
-              <a14:hiddenLine xmlns:a14="http://schemas.microsoft.com/office/drawing/2010/main" xmlns="" w="9525">
+              <a14:hiddenLine xmlns="" xmlns:a14="http://schemas.microsoft.com/office/drawing/2010/main" w="9525">
                 <a:solidFill>
                   <a:srgbClr val="000000"/>
                 </a:solidFill>
@@ -2289,7 +2290,7 @@
           <a:ln/>
           <a:extLst>
             <a:ext uri="{91240B29-F687-4f45-9708-019B960494DF}">
-              <a14:hiddenLine xmlns:a14="http://schemas.microsoft.com/office/drawing/2010/main" xmlns="" w="9525">
+              <a14:hiddenLine xmlns="" xmlns:a14="http://schemas.microsoft.com/office/drawing/2010/main" w="9525">
                 <a:solidFill>
                   <a:srgbClr val="000000"/>
                 </a:solidFill>
@@ -2909,7 +2910,7 @@
           <a:ln/>
           <a:extLst>
             <a:ext uri="{91240B29-F687-4f45-9708-019B960494DF}">
-              <a14:hiddenLine xmlns:a14="http://schemas.microsoft.com/office/drawing/2010/main" xmlns="" w="9525">
+              <a14:hiddenLine xmlns="" xmlns:a14="http://schemas.microsoft.com/office/drawing/2010/main" w="9525">
                 <a:solidFill>
                   <a:srgbClr val="000000"/>
                 </a:solidFill>
@@ -3245,7 +3246,7 @@
           <a:ln/>
           <a:extLst>
             <a:ext uri="{91240B29-F687-4f45-9708-019B960494DF}">
-              <a14:hiddenLine xmlns:a14="http://schemas.microsoft.com/office/drawing/2010/main" xmlns="" w="9525">
+              <a14:hiddenLine xmlns="" xmlns:a14="http://schemas.microsoft.com/office/drawing/2010/main" w="9525">
                 <a:solidFill>
                   <a:srgbClr val="000000"/>
                 </a:solidFill>
@@ -3719,7 +3720,7 @@
           <a:ln/>
           <a:extLst>
             <a:ext uri="{91240B29-F687-4f45-9708-019B960494DF}">
-              <a14:hiddenLine xmlns:a14="http://schemas.microsoft.com/office/drawing/2010/main" xmlns="" w="9525">
+              <a14:hiddenLine xmlns="" xmlns:a14="http://schemas.microsoft.com/office/drawing/2010/main" w="9525">
                 <a:solidFill>
                   <a:srgbClr val="000000"/>
                 </a:solidFill>
@@ -4142,7 +4143,7 @@
           <a:ln/>
           <a:extLst>
             <a:ext uri="{91240B29-F687-4f45-9708-019B960494DF}">
-              <a14:hiddenLine xmlns:a14="http://schemas.microsoft.com/office/drawing/2010/main" xmlns="" w="9525">
+              <a14:hiddenLine xmlns="" xmlns:a14="http://schemas.microsoft.com/office/drawing/2010/main" w="9525">
                 <a:solidFill>
                   <a:srgbClr val="000000"/>
                 </a:solidFill>
@@ -6100,11 +6101,7 @@
             </a:pPr>
             <a:r>
               <a:rPr lang="it-IT" dirty="0"/>
-              <a:t>r</a:t>
-            </a:r>
-            <a:r>
-              <a:rPr lang="it-IT" dirty="0"/>
-              <a:t>efresh(): ricarica tutti i componenti della pagina</a:t>
+              <a:t>refresh(): ricarica tutti i componenti della pagina</a:t>
             </a:r>
           </a:p>
           <a:p>
@@ -7152,7 +7149,15 @@
             </a:pPr>
             <a:r>
               <a:rPr lang="it-IT" dirty="0" smtClean="0"/>
-              <a:t>Alcuni dettagli implementativi sono stati omessi in modo da fornire una visione consistente del flusso senza incorrere in descrizioni ripetitive o di poco interesse per lo scopo della presentazione.</a:t>
+              <a:t>Alcuni dettagli implementativi </a:t>
+            </a:r>
+            <a:r>
+              <a:rPr lang="it-IT" dirty="0" smtClean="0"/>
+              <a:t>e casi particolari sono </a:t>
+            </a:r>
+            <a:r>
+              <a:rPr lang="it-IT" dirty="0" smtClean="0"/>
+              <a:t>stati omessi in modo da fornire una visione consistente del flusso senza incorrere in descrizioni ripetitive o di poco interesse per lo scopo della presentazione.</a:t>
             </a:r>
           </a:p>
           <a:p>
@@ -7160,7 +7165,38 @@
               <a:buFont typeface="Wingdings" panose="05000000000000000000" pitchFamily="2" charset="2"/>
               <a:buChar char="Ø"/>
             </a:pPr>
-            <a:endParaRPr lang="it-IT" dirty="0"/>
+            <a:endParaRPr lang="it-IT" dirty="0" smtClean="0"/>
+          </a:p>
+          <a:p>
+            <a:pPr marL="457200" lvl="1" indent="0">
+              <a:buNone/>
+            </a:pPr>
+            <a:r>
+              <a:rPr lang="it-IT" dirty="0" smtClean="0">
+                <a:solidFill>
+                  <a:srgbClr val="FF6600"/>
+                </a:solidFill>
+              </a:rPr>
+              <a:t>CLIENT SIDE COMPONENTS</a:t>
+            </a:r>
+          </a:p>
+          <a:p>
+            <a:pPr marL="457200" lvl="1" indent="0">
+              <a:buNone/>
+            </a:pPr>
+            <a:r>
+              <a:rPr lang="it-IT" dirty="0" smtClean="0">
+                <a:solidFill>
+                  <a:srgbClr val="00B0F0"/>
+                </a:solidFill>
+              </a:rPr>
+              <a:t>SERVER SIDE COMPONENT</a:t>
+            </a:r>
+            <a:endParaRPr lang="it-IT" dirty="0">
+              <a:solidFill>
+                <a:srgbClr val="00B0F0"/>
+              </a:solidFill>
+            </a:endParaRPr>
           </a:p>
         </p:txBody>
       </p:sp>
@@ -7204,6 +7240,13 @@
   <p:clrMapOvr>
     <a:masterClrMapping/>
   </p:clrMapOvr>
+  <p:timing>
+    <p:tnLst>
+      <p:par>
+        <p:cTn id="1" dur="indefinite" restart="never" nodeType="tmRoot"/>
+      </p:par>
+    </p:tnLst>
+  </p:timing>
 </p:sld>
 </file>
 
@@ -7328,6 +7371,13 @@
   <p:clrMapOvr>
     <a:masterClrMapping/>
   </p:clrMapOvr>
+  <p:timing>
+    <p:tnLst>
+      <p:par>
+        <p:cTn id="1" dur="indefinite" restart="never" nodeType="tmRoot"/>
+      </p:par>
+    </p:tnLst>
+  </p:timing>
 </p:sld>
 </file>
 
@@ -7452,6 +7502,13 @@
   <p:clrMapOvr>
     <a:masterClrMapping/>
   </p:clrMapOvr>
+  <p:timing>
+    <p:tnLst>
+      <p:par>
+        <p:cTn id="1" dur="indefinite" restart="never" nodeType="tmRoot"/>
+      </p:par>
+    </p:tnLst>
+  </p:timing>
 </p:sld>
 </file>
 
@@ -7531,6 +7588,137 @@
             <a:r>
               <a:rPr lang="it-IT" dirty="0" smtClean="0"/>
               <a:t>Home</a:t>
+            </a:r>
+            <a:endParaRPr lang="it-IT" dirty="0"/>
+          </a:p>
+        </p:txBody>
+      </p:sp>
+      <p:pic>
+        <p:nvPicPr>
+          <p:cNvPr id="3" name="Picture 2"/>
+          <p:cNvPicPr>
+            <a:picLocks noChangeAspect="1"/>
+          </p:cNvPicPr>
+          <p:nvPr/>
+        </p:nvPicPr>
+        <p:blipFill>
+          <a:blip r:embed="rId2">
+            <a:extLst>
+              <a:ext uri="{28A0092B-C50C-407E-A947-70E740481C1C}">
+                <a14:useLocalDpi xmlns:a14="http://schemas.microsoft.com/office/drawing/2010/main" val="0"/>
+              </a:ext>
+            </a:extLst>
+          </a:blip>
+          <a:stretch>
+            <a:fillRect/>
+          </a:stretch>
+        </p:blipFill>
+        <p:spPr>
+          <a:xfrm>
+            <a:off x="2122877" y="122540"/>
+            <a:ext cx="9107310" cy="6617543"/>
+          </a:xfrm>
+          <a:prstGeom prst="rect">
+            <a:avLst/>
+          </a:prstGeom>
+        </p:spPr>
+      </p:pic>
+    </p:spTree>
+    <p:extLst>
+      <p:ext uri="{BB962C8B-B14F-4D97-AF65-F5344CB8AC3E}">
+        <p14:creationId xmlns:p14="http://schemas.microsoft.com/office/powerpoint/2010/main" val="1579144998"/>
+      </p:ext>
+    </p:extLst>
+  </p:cSld>
+  <p:clrMapOvr>
+    <a:masterClrMapping/>
+  </p:clrMapOvr>
+  <p:timing>
+    <p:tnLst>
+      <p:par>
+        <p:cTn id="1" dur="indefinite" restart="never" nodeType="tmRoot"/>
+      </p:par>
+    </p:tnLst>
+  </p:timing>
+</p:sld>
+</file>
+
+<file path=ppt/slides/slide16.xml><?xml version="1.0" encoding="utf-8"?>
+<p:sld xmlns:a="http://schemas.openxmlformats.org/drawingml/2006/main" xmlns:r="http://schemas.openxmlformats.org/officeDocument/2006/relationships" xmlns:p="http://schemas.openxmlformats.org/presentationml/2006/main">
+  <p:cSld>
+    <p:spTree>
+      <p:nvGrpSpPr>
+        <p:cNvPr id="1" name=""/>
+        <p:cNvGrpSpPr/>
+        <p:nvPr/>
+      </p:nvGrpSpPr>
+      <p:grpSpPr>
+        <a:xfrm>
+          <a:off x="0" y="0"/>
+          <a:ext cx="0" cy="0"/>
+          <a:chOff x="0" y="0"/>
+          <a:chExt cx="0" cy="0"/>
+        </a:xfrm>
+      </p:grpSpPr>
+      <p:sp>
+        <p:nvSpPr>
+          <p:cNvPr id="4" name="Segnaposto numero diapositiva 3">
+            <a:extLst>
+              <a:ext uri="{FF2B5EF4-FFF2-40B4-BE49-F238E27FC236}">
+                <a16:creationId xmlns:a16="http://schemas.microsoft.com/office/drawing/2014/main" id="{9DC9C904-F50B-4D89-8B66-A757CCA54B61}"/>
+              </a:ext>
+            </a:extLst>
+          </p:cNvPr>
+          <p:cNvSpPr>
+            <a:spLocks noGrp="1"/>
+          </p:cNvSpPr>
+          <p:nvPr>
+            <p:ph type="sldNum" sz="quarter" idx="12"/>
+          </p:nvPr>
+        </p:nvSpPr>
+        <p:spPr/>
+        <p:txBody>
+          <a:bodyPr/>
+          <a:lstStyle/>
+          <a:p>
+            <a:fld id="{D57F1E4F-1CFF-5643-939E-217C01CDF565}" type="slidenum">
+              <a:rPr lang="en-US" smtClean="0"/>
+              <a:pPr/>
+              <a:t>16</a:t>
+            </a:fld>
+            <a:endParaRPr lang="en-US"/>
+          </a:p>
+        </p:txBody>
+      </p:sp>
+      <p:sp>
+        <p:nvSpPr>
+          <p:cNvPr id="2" name="Titolo 1">
+            <a:extLst>
+              <a:ext uri="{FF2B5EF4-FFF2-40B4-BE49-F238E27FC236}">
+                <a16:creationId xmlns:a16="http://schemas.microsoft.com/office/drawing/2014/main" id="{DC13C413-FB6E-489C-9C48-1A30E24B23FB}"/>
+              </a:ext>
+            </a:extLst>
+          </p:cNvPr>
+          <p:cNvSpPr>
+            <a:spLocks noGrp="1"/>
+          </p:cNvSpPr>
+          <p:nvPr>
+            <p:ph type="title" idx="4294967295"/>
+          </p:nvPr>
+        </p:nvSpPr>
+        <p:spPr>
+          <a:xfrm>
+            <a:off x="300446" y="264781"/>
+            <a:ext cx="2076994" cy="797138"/>
+          </a:xfrm>
+        </p:spPr>
+        <p:txBody>
+          <a:bodyPr/>
+          <a:lstStyle/>
+          <a:p>
+            <a:r>
+              <a:rPr lang="it-IT" dirty="0" smtClean="0"/>
+              <a:t>Search</a:t>
             </a:r>
             <a:endParaRPr lang="it-IT" dirty="0"/>
           </a:p>
@@ -7558,8 +7746,8 @@
         </p:blipFill>
         <p:spPr>
           <a:xfrm>
-            <a:off x="2526759" y="264781"/>
-            <a:ext cx="8656498" cy="6276159"/>
+            <a:off x="2230172" y="451911"/>
+            <a:ext cx="9708935" cy="5463977"/>
           </a:xfrm>
           <a:prstGeom prst="rect">
             <a:avLst/>
@@ -7569,17 +7757,24 @@
     </p:spTree>
     <p:extLst>
       <p:ext uri="{BB962C8B-B14F-4D97-AF65-F5344CB8AC3E}">
-        <p14:creationId xmlns:p14="http://schemas.microsoft.com/office/powerpoint/2010/main" val="1579144998"/>
+        <p14:creationId xmlns:p14="http://schemas.microsoft.com/office/powerpoint/2010/main" val="3969751435"/>
       </p:ext>
     </p:extLst>
   </p:cSld>
   <p:clrMapOvr>
     <a:masterClrMapping/>
   </p:clrMapOvr>
+  <p:timing>
+    <p:tnLst>
+      <p:par>
+        <p:cTn id="1" dur="indefinite" restart="never" nodeType="tmRoot"/>
+      </p:par>
+    </p:tnLst>
+  </p:timing>
 </p:sld>
 </file>
 
-<file path=ppt/slides/slide16.xml><?xml version="1.0" encoding="utf-8"?>
+<file path=ppt/slides/slide17.xml><?xml version="1.0" encoding="utf-8"?>
 <p:sld xmlns:a="http://schemas.openxmlformats.org/drawingml/2006/main" xmlns:r="http://schemas.openxmlformats.org/officeDocument/2006/relationships" xmlns:p="http://schemas.openxmlformats.org/presentationml/2006/main">
   <p:cSld>
     <p:spTree>
@@ -7620,7 +7815,7 @@
             <a:fld id="{D57F1E4F-1CFF-5643-939E-217C01CDF565}" type="slidenum">
               <a:rPr lang="en-US" smtClean="0"/>
               <a:pPr/>
-              <a:t>16</a:t>
+              <a:t>17</a:t>
             </a:fld>
             <a:endParaRPr lang="en-US"/>
           </a:p>
@@ -7644,8 +7839,8 @@
         </p:nvSpPr>
         <p:spPr>
           <a:xfrm>
-            <a:off x="300446" y="264781"/>
-            <a:ext cx="2076994" cy="797138"/>
+            <a:off x="383471" y="350311"/>
+            <a:ext cx="2076994" cy="1361439"/>
           </a:xfrm>
         </p:spPr>
         <p:txBody>
@@ -7654,7 +7849,14 @@
           <a:p>
             <a:r>
               <a:rPr lang="it-IT" dirty="0" smtClean="0"/>
-              <a:t>Search</a:t>
+              <a:t>Article </a:t>
+            </a:r>
+            <a:br>
+              <a:rPr lang="it-IT" dirty="0" smtClean="0"/>
+            </a:br>
+            <a:r>
+              <a:rPr lang="it-IT" dirty="0" smtClean="0"/>
+              <a:t>Details</a:t>
             </a:r>
             <a:endParaRPr lang="it-IT" dirty="0"/>
           </a:p>
@@ -7682,8 +7884,8 @@
         </p:blipFill>
         <p:spPr>
           <a:xfrm>
-            <a:off x="2283448" y="526462"/>
-            <a:ext cx="9637963" cy="5389426"/>
+            <a:off x="2668693" y="265782"/>
+            <a:ext cx="9143190" cy="5790687"/>
           </a:xfrm>
           <a:prstGeom prst="rect">
             <a:avLst/>
@@ -7693,17 +7895,24 @@
     </p:spTree>
     <p:extLst>
       <p:ext uri="{BB962C8B-B14F-4D97-AF65-F5344CB8AC3E}">
-        <p14:creationId xmlns:p14="http://schemas.microsoft.com/office/powerpoint/2010/main" val="3969751435"/>
+        <p14:creationId xmlns:p14="http://schemas.microsoft.com/office/powerpoint/2010/main" val="1752920040"/>
       </p:ext>
     </p:extLst>
   </p:cSld>
   <p:clrMapOvr>
     <a:masterClrMapping/>
   </p:clrMapOvr>
+  <p:timing>
+    <p:tnLst>
+      <p:par>
+        <p:cTn id="1" dur="indefinite" restart="never" nodeType="tmRoot"/>
+      </p:par>
+    </p:tnLst>
+  </p:timing>
 </p:sld>
 </file>
 
-<file path=ppt/slides/slide17.xml><?xml version="1.0" encoding="utf-8"?>
+<file path=ppt/slides/slide18.xml><?xml version="1.0" encoding="utf-8"?>
 <p:sld xmlns:a="http://schemas.openxmlformats.org/drawingml/2006/main" xmlns:r="http://schemas.openxmlformats.org/officeDocument/2006/relationships" xmlns:p="http://schemas.openxmlformats.org/presentationml/2006/main">
   <p:cSld>
     <p:spTree>
@@ -7744,7 +7953,7 @@
             <a:fld id="{D57F1E4F-1CFF-5643-939E-217C01CDF565}" type="slidenum">
               <a:rPr lang="en-US" smtClean="0"/>
               <a:pPr/>
-              <a:t>17</a:t>
+              <a:t>18</a:t>
             </a:fld>
             <a:endParaRPr lang="en-US"/>
           </a:p>
@@ -7831,10 +8040,17 @@
   <p:clrMapOvr>
     <a:masterClrMapping/>
   </p:clrMapOvr>
+  <p:timing>
+    <p:tnLst>
+      <p:par>
+        <p:cTn id="1" dur="indefinite" restart="never" nodeType="tmRoot"/>
+      </p:par>
+    </p:tnLst>
+  </p:timing>
 </p:sld>
 </file>
 
-<file path=ppt/slides/slide18.xml><?xml version="1.0" encoding="utf-8"?>
+<file path=ppt/slides/slide19.xml><?xml version="1.0" encoding="utf-8"?>
 <p:sld xmlns:a="http://schemas.openxmlformats.org/drawingml/2006/main" xmlns:r="http://schemas.openxmlformats.org/officeDocument/2006/relationships" xmlns:p="http://schemas.openxmlformats.org/presentationml/2006/main">
   <p:cSld>
     <p:spTree>
@@ -7875,7 +8091,7 @@
             <a:fld id="{D57F1E4F-1CFF-5643-939E-217C01CDF565}" type="slidenum">
               <a:rPr lang="en-US" smtClean="0"/>
               <a:pPr/>
-              <a:t>18</a:t>
+              <a:t>19</a:t>
             </a:fld>
             <a:endParaRPr lang="en-US"/>
           </a:p>
@@ -7955,137 +8171,13 @@
   <p:clrMapOvr>
     <a:masterClrMapping/>
   </p:clrMapOvr>
-</p:sld>
-</file>
-
-<file path=ppt/slides/slide19.xml><?xml version="1.0" encoding="utf-8"?>
-<p:sld xmlns:a="http://schemas.openxmlformats.org/drawingml/2006/main" xmlns:r="http://schemas.openxmlformats.org/officeDocument/2006/relationships" xmlns:p="http://schemas.openxmlformats.org/presentationml/2006/main">
-  <p:cSld>
-    <p:spTree>
-      <p:nvGrpSpPr>
-        <p:cNvPr id="1" name=""/>
-        <p:cNvGrpSpPr/>
-        <p:nvPr/>
-      </p:nvGrpSpPr>
-      <p:grpSpPr>
-        <a:xfrm>
-          <a:off x="0" y="0"/>
-          <a:ext cx="0" cy="0"/>
-          <a:chOff x="0" y="0"/>
-          <a:chExt cx="0" cy="0"/>
-        </a:xfrm>
-      </p:grpSpPr>
-      <p:sp>
-        <p:nvSpPr>
-          <p:cNvPr id="4" name="Segnaposto numero diapositiva 3">
-            <a:extLst>
-              <a:ext uri="{FF2B5EF4-FFF2-40B4-BE49-F238E27FC236}">
-                <a16:creationId xmlns:a16="http://schemas.microsoft.com/office/drawing/2014/main" id="{9DC9C904-F50B-4D89-8B66-A757CCA54B61}"/>
-              </a:ext>
-            </a:extLst>
-          </p:cNvPr>
-          <p:cNvSpPr>
-            <a:spLocks noGrp="1"/>
-          </p:cNvSpPr>
-          <p:nvPr>
-            <p:ph type="sldNum" sz="quarter" idx="12"/>
-          </p:nvPr>
-        </p:nvSpPr>
-        <p:spPr/>
-        <p:txBody>
-          <a:bodyPr/>
-          <a:lstStyle/>
-          <a:p>
-            <a:fld id="{D57F1E4F-1CFF-5643-939E-217C01CDF565}" type="slidenum">
-              <a:rPr lang="en-US" smtClean="0"/>
-              <a:pPr/>
-              <a:t>19</a:t>
-            </a:fld>
-            <a:endParaRPr lang="en-US"/>
-          </a:p>
-        </p:txBody>
-      </p:sp>
-      <p:sp>
-        <p:nvSpPr>
-          <p:cNvPr id="2" name="Titolo 1">
-            <a:extLst>
-              <a:ext uri="{FF2B5EF4-FFF2-40B4-BE49-F238E27FC236}">
-                <a16:creationId xmlns:a16="http://schemas.microsoft.com/office/drawing/2014/main" id="{DC13C413-FB6E-489C-9C48-1A30E24B23FB}"/>
-              </a:ext>
-            </a:extLst>
-          </p:cNvPr>
-          <p:cNvSpPr>
-            <a:spLocks noGrp="1"/>
-          </p:cNvSpPr>
-          <p:nvPr>
-            <p:ph type="title" idx="4294967295"/>
-          </p:nvPr>
-        </p:nvSpPr>
-        <p:spPr>
-          <a:xfrm>
-            <a:off x="359228" y="888274"/>
-            <a:ext cx="2704011" cy="705395"/>
-          </a:xfrm>
-        </p:spPr>
-        <p:txBody>
-          <a:bodyPr/>
-          <a:lstStyle/>
-          <a:p>
-            <a:r>
-              <a:rPr lang="it-IT" dirty="0" smtClean="0"/>
-              <a:t>Get </a:t>
-            </a:r>
-            <a:br>
-              <a:rPr lang="it-IT" dirty="0" smtClean="0"/>
-            </a:br>
-            <a:r>
-              <a:rPr lang="it-IT" dirty="0" smtClean="0"/>
-              <a:t>orders</a:t>
-            </a:r>
-            <a:endParaRPr lang="it-IT" dirty="0"/>
-          </a:p>
-        </p:txBody>
-      </p:sp>
-      <p:pic>
-        <p:nvPicPr>
-          <p:cNvPr id="5" name="Picture 4"/>
-          <p:cNvPicPr>
-            <a:picLocks noChangeAspect="1"/>
-          </p:cNvPicPr>
-          <p:nvPr/>
-        </p:nvPicPr>
-        <p:blipFill>
-          <a:blip r:embed="rId2">
-            <a:extLst>
-              <a:ext uri="{28A0092B-C50C-407E-A947-70E740481C1C}">
-                <a14:useLocalDpi xmlns:a14="http://schemas.microsoft.com/office/drawing/2010/main" val="0"/>
-              </a:ext>
-            </a:extLst>
-          </a:blip>
-          <a:stretch>
-            <a:fillRect/>
-          </a:stretch>
-        </p:blipFill>
-        <p:spPr>
-          <a:xfrm>
-            <a:off x="2467634" y="381743"/>
-            <a:ext cx="9272852" cy="4741800"/>
-          </a:xfrm>
-          <a:prstGeom prst="rect">
-            <a:avLst/>
-          </a:prstGeom>
-        </p:spPr>
-      </p:pic>
-    </p:spTree>
-    <p:extLst>
-      <p:ext uri="{BB962C8B-B14F-4D97-AF65-F5344CB8AC3E}">
-        <p14:creationId xmlns:p14="http://schemas.microsoft.com/office/powerpoint/2010/main" val="3057899890"/>
-      </p:ext>
-    </p:extLst>
-  </p:cSld>
-  <p:clrMapOvr>
-    <a:masterClrMapping/>
-  </p:clrMapOvr>
+  <p:timing>
+    <p:tnLst>
+      <p:par>
+        <p:cTn id="1" dur="indefinite" restart="never" nodeType="tmRoot"/>
+      </p:par>
+    </p:tnLst>
+  </p:timing>
 </p:sld>
 </file>
 
@@ -8651,6 +8743,137 @@
               <a:rPr lang="en-US" smtClean="0"/>
               <a:pPr/>
               <a:t>20</a:t>
+            </a:fld>
+            <a:endParaRPr lang="en-US"/>
+          </a:p>
+        </p:txBody>
+      </p:sp>
+      <p:sp>
+        <p:nvSpPr>
+          <p:cNvPr id="2" name="Titolo 1">
+            <a:extLst>
+              <a:ext uri="{FF2B5EF4-FFF2-40B4-BE49-F238E27FC236}">
+                <a16:creationId xmlns:a16="http://schemas.microsoft.com/office/drawing/2014/main" id="{DC13C413-FB6E-489C-9C48-1A30E24B23FB}"/>
+              </a:ext>
+            </a:extLst>
+          </p:cNvPr>
+          <p:cNvSpPr>
+            <a:spLocks noGrp="1"/>
+          </p:cNvSpPr>
+          <p:nvPr>
+            <p:ph type="title" idx="4294967295"/>
+          </p:nvPr>
+        </p:nvSpPr>
+        <p:spPr>
+          <a:xfrm>
+            <a:off x="359228" y="888274"/>
+            <a:ext cx="2704011" cy="705395"/>
+          </a:xfrm>
+        </p:spPr>
+        <p:txBody>
+          <a:bodyPr/>
+          <a:lstStyle/>
+          <a:p>
+            <a:r>
+              <a:rPr lang="it-IT" dirty="0" smtClean="0"/>
+              <a:t>Get </a:t>
+            </a:r>
+            <a:br>
+              <a:rPr lang="it-IT" dirty="0" smtClean="0"/>
+            </a:br>
+            <a:r>
+              <a:rPr lang="it-IT" dirty="0" smtClean="0"/>
+              <a:t>orders</a:t>
+            </a:r>
+            <a:endParaRPr lang="it-IT" dirty="0"/>
+          </a:p>
+        </p:txBody>
+      </p:sp>
+      <p:pic>
+        <p:nvPicPr>
+          <p:cNvPr id="3" name="Picture 2"/>
+          <p:cNvPicPr>
+            <a:picLocks noChangeAspect="1"/>
+          </p:cNvPicPr>
+          <p:nvPr/>
+        </p:nvPicPr>
+        <p:blipFill>
+          <a:blip r:embed="rId2">
+            <a:extLst>
+              <a:ext uri="{28A0092B-C50C-407E-A947-70E740481C1C}">
+                <a14:useLocalDpi xmlns:a14="http://schemas.microsoft.com/office/drawing/2010/main" val="0"/>
+              </a:ext>
+            </a:extLst>
+          </a:blip>
+          <a:stretch>
+            <a:fillRect/>
+          </a:stretch>
+        </p:blipFill>
+        <p:spPr>
+          <a:xfrm>
+            <a:off x="2124406" y="322765"/>
+            <a:ext cx="9853990" cy="4784328"/>
+          </a:xfrm>
+          <a:prstGeom prst="rect">
+            <a:avLst/>
+          </a:prstGeom>
+        </p:spPr>
+      </p:pic>
+    </p:spTree>
+    <p:extLst>
+      <p:ext uri="{BB962C8B-B14F-4D97-AF65-F5344CB8AC3E}">
+        <p14:creationId xmlns:p14="http://schemas.microsoft.com/office/powerpoint/2010/main" val="3057899890"/>
+      </p:ext>
+    </p:extLst>
+  </p:cSld>
+  <p:clrMapOvr>
+    <a:masterClrMapping/>
+  </p:clrMapOvr>
+</p:sld>
+</file>
+
+<file path=ppt/slides/slide21.xml><?xml version="1.0" encoding="utf-8"?>
+<p:sld xmlns:a="http://schemas.openxmlformats.org/drawingml/2006/main" xmlns:r="http://schemas.openxmlformats.org/officeDocument/2006/relationships" xmlns:p="http://schemas.openxmlformats.org/presentationml/2006/main">
+  <p:cSld>
+    <p:spTree>
+      <p:nvGrpSpPr>
+        <p:cNvPr id="1" name=""/>
+        <p:cNvGrpSpPr/>
+        <p:nvPr/>
+      </p:nvGrpSpPr>
+      <p:grpSpPr>
+        <a:xfrm>
+          <a:off x="0" y="0"/>
+          <a:ext cx="0" cy="0"/>
+          <a:chOff x="0" y="0"/>
+          <a:chExt cx="0" cy="0"/>
+        </a:xfrm>
+      </p:grpSpPr>
+      <p:sp>
+        <p:nvSpPr>
+          <p:cNvPr id="4" name="Segnaposto numero diapositiva 3">
+            <a:extLst>
+              <a:ext uri="{FF2B5EF4-FFF2-40B4-BE49-F238E27FC236}">
+                <a16:creationId xmlns:a16="http://schemas.microsoft.com/office/drawing/2014/main" id="{9DC9C904-F50B-4D89-8B66-A757CCA54B61}"/>
+              </a:ext>
+            </a:extLst>
+          </p:cNvPr>
+          <p:cNvSpPr>
+            <a:spLocks noGrp="1"/>
+          </p:cNvSpPr>
+          <p:nvPr>
+            <p:ph type="sldNum" sz="quarter" idx="12"/>
+          </p:nvPr>
+        </p:nvSpPr>
+        <p:spPr/>
+        <p:txBody>
+          <a:bodyPr/>
+          <a:lstStyle/>
+          <a:p>
+            <a:fld id="{D57F1E4F-1CFF-5643-939E-217C01CDF565}" type="slidenum">
+              <a:rPr lang="en-US" smtClean="0"/>
+              <a:pPr/>
+              <a:t>21</a:t>
             </a:fld>
             <a:endParaRPr lang="en-US"/>
           </a:p>
@@ -8740,7 +8963,7 @@
 </p:sld>
 </file>
 
-<file path=ppt/slides/slide21.xml><?xml version="1.0" encoding="utf-8"?>
+<file path=ppt/slides/slide22.xml><?xml version="1.0" encoding="utf-8"?>
 <p:sld xmlns:a="http://schemas.openxmlformats.org/drawingml/2006/main" xmlns:r="http://schemas.openxmlformats.org/officeDocument/2006/relationships" xmlns:p="http://schemas.openxmlformats.org/presentationml/2006/main">
   <p:cSld>
     <p:spTree>
@@ -11988,18 +12211,18 @@
 </file>
 
 <file path=customXml/item1.xml><?xml version="1.0" encoding="utf-8"?>
+<p:properties xmlns:p="http://schemas.microsoft.com/office/2006/metadata/properties" xmlns:xsi="http://www.w3.org/2001/XMLSchema-instance" xmlns:pc="http://schemas.microsoft.com/office/infopath/2007/PartnerControls">
+  <documentManagement/>
+</p:properties>
+</file>
+
+<file path=customXml/item2.xml><?xml version="1.0" encoding="utf-8"?>
 <?mso-contentType ?>
 <FormTemplates xmlns="http://schemas.microsoft.com/sharepoint/v3/contenttype/forms">
   <Display>DocumentLibraryForm</Display>
   <Edit>DocumentLibraryForm</Edit>
   <New>DocumentLibraryForm</New>
 </FormTemplates>
-</file>
-
-<file path=customXml/item2.xml><?xml version="1.0" encoding="utf-8"?>
-<p:properties xmlns:p="http://schemas.microsoft.com/office/2006/metadata/properties" xmlns:xsi="http://www.w3.org/2001/XMLSchema-instance" xmlns:pc="http://schemas.microsoft.com/office/infopath/2007/PartnerControls">
-  <documentManagement/>
-</p:properties>
 </file>
 
 <file path=customXml/item3.xml><?xml version="1.0" encoding="utf-8"?>
@@ -12232,14 +12455,6 @@
 </file>
 
 <file path=customXml/itemProps1.xml><?xml version="1.0" encoding="utf-8"?>
-<ds:datastoreItem xmlns:ds="http://schemas.openxmlformats.org/officeDocument/2006/customXml" ds:itemID="{61FAD3DF-8367-436C-B779-79F89133C2B9}">
-  <ds:schemaRefs>
-    <ds:schemaRef ds:uri="http://schemas.microsoft.com/sharepoint/v3/contenttype/forms"/>
-  </ds:schemaRefs>
-</ds:datastoreItem>
-</file>
-
-<file path=customXml/itemProps2.xml><?xml version="1.0" encoding="utf-8"?>
 <ds:datastoreItem xmlns:ds="http://schemas.openxmlformats.org/officeDocument/2006/customXml" ds:itemID="{C3A5048E-4585-4A41-9B60-63684990786A}">
   <ds:schemaRefs>
     <ds:schemaRef ds:uri="http://purl.org/dc/terms/"/>
@@ -12252,6 +12467,14 @@
     <ds:schemaRef ds:uri="http://schemas.openxmlformats.org/package/2006/metadata/core-properties"/>
     <ds:schemaRef ds:uri="http://schemas.microsoft.com/office/2006/metadata/properties"/>
     <ds:schemaRef ds:uri="http://www.w3.org/XML/1998/namespace"/>
+  </ds:schemaRefs>
+</ds:datastoreItem>
+</file>
+
+<file path=customXml/itemProps2.xml><?xml version="1.0" encoding="utf-8"?>
+<ds:datastoreItem xmlns:ds="http://schemas.openxmlformats.org/officeDocument/2006/customXml" ds:itemID="{61FAD3DF-8367-436C-B779-79F89133C2B9}">
+  <ds:schemaRefs>
+    <ds:schemaRef ds:uri="http://schemas.microsoft.com/sharepoint/v3/contenttype/forms"/>
   </ds:schemaRefs>
 </ds:datastoreItem>
 </file>
